--- a/presentation.pptx
+++ b/presentation.pptx
@@ -8,11 +8,13 @@
     <p:sldId id="256" r:id="rId2"/>
     <p:sldId id="257" r:id="rId3"/>
     <p:sldId id="261" r:id="rId4"/>
-    <p:sldId id="262" r:id="rId5"/>
-    <p:sldId id="263" r:id="rId6"/>
-    <p:sldId id="264" r:id="rId7"/>
-    <p:sldId id="265" r:id="rId8"/>
-    <p:sldId id="266" r:id="rId9"/>
+    <p:sldId id="267" r:id="rId5"/>
+    <p:sldId id="268" r:id="rId6"/>
+    <p:sldId id="262" r:id="rId7"/>
+    <p:sldId id="263" r:id="rId8"/>
+    <p:sldId id="264" r:id="rId9"/>
+    <p:sldId id="265" r:id="rId10"/>
+    <p:sldId id="266" r:id="rId11"/>
   </p:sldIdLst>
   <p:sldSz cx="12192000" cy="6858000"/>
   <p:notesSz cx="6858000" cy="9144000"/>
@@ -842,7 +844,7 @@
             <a:fld id="{B61BEF0D-F0BB-DE4B-95CE-6DB70DBA9567}" type="datetimeFigureOut">
               <a:rPr lang="en-US" dirty="0"/>
               <a:pPr/>
-              <a:t>10/22/2024</a:t>
+              <a:t>10/30/2024</a:t>
             </a:fld>
             <a:endParaRPr lang="en-US" dirty="0"/>
           </a:p>
@@ -1090,7 +1092,7 @@
             <a:fld id="{B61BEF0D-F0BB-DE4B-95CE-6DB70DBA9567}" type="datetimeFigureOut">
               <a:rPr lang="en-US" dirty="0"/>
               <a:pPr/>
-              <a:t>10/22/2024</a:t>
+              <a:t>10/30/2024</a:t>
             </a:fld>
             <a:endParaRPr lang="en-US" dirty="0"/>
           </a:p>
@@ -1401,7 +1403,7 @@
             <a:fld id="{B61BEF0D-F0BB-DE4B-95CE-6DB70DBA9567}" type="datetimeFigureOut">
               <a:rPr lang="en-US" dirty="0"/>
               <a:pPr/>
-              <a:t>10/22/2024</a:t>
+              <a:t>10/30/2024</a:t>
             </a:fld>
             <a:endParaRPr lang="en-US" dirty="0"/>
           </a:p>
@@ -1739,7 +1741,7 @@
             <a:fld id="{B61BEF0D-F0BB-DE4B-95CE-6DB70DBA9567}" type="datetimeFigureOut">
               <a:rPr lang="en-US" dirty="0"/>
               <a:pPr/>
-              <a:t>10/22/2024</a:t>
+              <a:t>10/30/2024</a:t>
             </a:fld>
             <a:endParaRPr lang="en-US" dirty="0"/>
           </a:p>
@@ -2050,7 +2052,7 @@
             <a:fld id="{B61BEF0D-F0BB-DE4B-95CE-6DB70DBA9567}" type="datetimeFigureOut">
               <a:rPr lang="en-US" dirty="0"/>
               <a:pPr/>
-              <a:t>10/22/2024</a:t>
+              <a:t>10/30/2024</a:t>
             </a:fld>
             <a:endParaRPr lang="en-US" dirty="0"/>
           </a:p>
@@ -2440,7 +2442,7 @@
             <a:fld id="{B61BEF0D-F0BB-DE4B-95CE-6DB70DBA9567}" type="datetimeFigureOut">
               <a:rPr lang="en-US" dirty="0"/>
               <a:pPr/>
-              <a:t>10/22/2024</a:t>
+              <a:t>10/30/2024</a:t>
             </a:fld>
             <a:endParaRPr lang="en-US" dirty="0"/>
           </a:p>
@@ -2606,7 +2608,7 @@
           <a:p>
             <a:fld id="{55C6B4A9-1611-4792-9094-5F34BCA07E0B}" type="datetimeFigureOut">
               <a:rPr lang="en-US" dirty="0"/>
-              <a:t>10/22/2024</a:t>
+              <a:t>10/30/2024</a:t>
             </a:fld>
             <a:endParaRPr lang="en-US" dirty="0"/>
           </a:p>
@@ -2782,7 +2784,7 @@
             <a:fld id="{B61BEF0D-F0BB-DE4B-95CE-6DB70DBA9567}" type="datetimeFigureOut">
               <a:rPr lang="en-US" dirty="0"/>
               <a:pPr/>
-              <a:t>10/22/2024</a:t>
+              <a:t>10/30/2024</a:t>
             </a:fld>
             <a:endParaRPr lang="en-US" dirty="0"/>
           </a:p>
@@ -2955,7 +2957,7 @@
             <a:fld id="{B61BEF0D-F0BB-DE4B-95CE-6DB70DBA9567}" type="datetimeFigureOut">
               <a:rPr lang="en-US" dirty="0"/>
               <a:pPr/>
-              <a:t>10/22/2024</a:t>
+              <a:t>10/30/2024</a:t>
             </a:fld>
             <a:endParaRPr lang="en-US" dirty="0"/>
           </a:p>
@@ -3199,7 +3201,7 @@
             <a:fld id="{B61BEF0D-F0BB-DE4B-95CE-6DB70DBA9567}" type="datetimeFigureOut">
               <a:rPr lang="en-US" dirty="0"/>
               <a:pPr/>
-              <a:t>10/22/2024</a:t>
+              <a:t>10/30/2024</a:t>
             </a:fld>
             <a:endParaRPr lang="en-US" dirty="0"/>
           </a:p>
@@ -3427,7 +3429,7 @@
           <a:p>
             <a:fld id="{EB712588-04B1-427B-82EE-E8DB90309F08}" type="datetimeFigureOut">
               <a:rPr lang="en-US" dirty="0"/>
-              <a:t>10/22/2024</a:t>
+              <a:t>10/30/2024</a:t>
             </a:fld>
             <a:endParaRPr lang="en-US" dirty="0"/>
           </a:p>
@@ -3797,7 +3799,7 @@
             <a:fld id="{B61BEF0D-F0BB-DE4B-95CE-6DB70DBA9567}" type="datetimeFigureOut">
               <a:rPr lang="en-US" dirty="0"/>
               <a:pPr/>
-              <a:t>10/22/2024</a:t>
+              <a:t>10/30/2024</a:t>
             </a:fld>
             <a:endParaRPr lang="en-US" dirty="0"/>
           </a:p>
@@ -3917,7 +3919,7 @@
             <a:fld id="{B61BEF0D-F0BB-DE4B-95CE-6DB70DBA9567}" type="datetimeFigureOut">
               <a:rPr lang="en-US" dirty="0"/>
               <a:pPr/>
-              <a:t>10/22/2024</a:t>
+              <a:t>10/30/2024</a:t>
             </a:fld>
             <a:endParaRPr lang="en-US" dirty="0"/>
           </a:p>
@@ -4009,7 +4011,7 @@
             <a:fld id="{B61BEF0D-F0BB-DE4B-95CE-6DB70DBA9567}" type="datetimeFigureOut">
               <a:rPr lang="en-US" dirty="0"/>
               <a:pPr/>
-              <a:t>10/22/2024</a:t>
+              <a:t>10/30/2024</a:t>
             </a:fld>
             <a:endParaRPr lang="en-US" dirty="0"/>
           </a:p>
@@ -4260,7 +4262,7 @@
           <a:p>
             <a:fld id="{42A54C80-263E-416B-A8E0-580EDEADCBDC}" type="datetimeFigureOut">
               <a:rPr lang="en-US" dirty="0"/>
-              <a:t>10/22/2024</a:t>
+              <a:t>10/30/2024</a:t>
             </a:fld>
             <a:endParaRPr lang="en-US" dirty="0"/>
           </a:p>
@@ -4519,7 +4521,7 @@
             <a:fld id="{B61BEF0D-F0BB-DE4B-95CE-6DB70DBA9567}" type="datetimeFigureOut">
               <a:rPr lang="en-US" dirty="0"/>
               <a:pPr/>
-              <a:t>10/22/2024</a:t>
+              <a:t>10/30/2024</a:t>
             </a:fld>
             <a:endParaRPr lang="en-US" dirty="0"/>
           </a:p>
@@ -5259,7 +5261,7 @@
             <a:fld id="{B61BEF0D-F0BB-DE4B-95CE-6DB70DBA9567}" type="datetimeFigureOut">
               <a:rPr lang="en-US" dirty="0"/>
               <a:pPr/>
-              <a:t>10/22/2024</a:t>
+              <a:t>10/30/2024</a:t>
             </a:fld>
             <a:endParaRPr lang="en-US" dirty="0"/>
           </a:p>
@@ -5816,6 +5818,112 @@
 </p:sld>
 </file>
 
+<file path=ppt/slides/slide10.xml><?xml version="1.0" encoding="utf-8"?>
+<p:sld xmlns:a="http://schemas.openxmlformats.org/drawingml/2006/main" xmlns:r="http://schemas.openxmlformats.org/officeDocument/2006/relationships" xmlns:p="http://schemas.openxmlformats.org/presentationml/2006/main">
+  <p:cSld>
+    <p:spTree>
+      <p:nvGrpSpPr>
+        <p:cNvPr id="1" name=""/>
+        <p:cNvGrpSpPr/>
+        <p:nvPr/>
+      </p:nvGrpSpPr>
+      <p:grpSpPr>
+        <a:xfrm>
+          <a:off x="0" y="0"/>
+          <a:ext cx="0" cy="0"/>
+          <a:chOff x="0" y="0"/>
+          <a:chExt cx="0" cy="0"/>
+        </a:xfrm>
+      </p:grpSpPr>
+      <p:sp>
+        <p:nvSpPr>
+          <p:cNvPr id="2" name="Title 1"/>
+          <p:cNvSpPr>
+            <a:spLocks noGrp="1"/>
+          </p:cNvSpPr>
+          <p:nvPr>
+            <p:ph type="title"/>
+          </p:nvPr>
+        </p:nvSpPr>
+        <p:spPr>
+          <a:xfrm>
+            <a:off x="677335" y="609600"/>
+            <a:ext cx="8596668" cy="1257837"/>
+          </a:xfrm>
+        </p:spPr>
+        <p:txBody>
+          <a:bodyPr/>
+          <a:lstStyle/>
+          <a:p>
+            <a:pPr algn="ctr"/>
+            <a:r>
+              <a:rPr lang="en-US" b="1" dirty="0" smtClean="0"/>
+              <a:t>CONCLUSION</a:t>
+            </a:r>
+            <a:endParaRPr lang="en-US" b="1" dirty="0"/>
+          </a:p>
+        </p:txBody>
+      </p:sp>
+      <p:sp>
+        <p:nvSpPr>
+          <p:cNvPr id="3" name="Text Placeholder 2"/>
+          <p:cNvSpPr>
+            <a:spLocks noGrp="1"/>
+          </p:cNvSpPr>
+          <p:nvPr>
+            <p:ph type="body" idx="1"/>
+          </p:nvPr>
+        </p:nvSpPr>
+        <p:spPr>
+          <a:xfrm>
+            <a:off x="784911" y="2245659"/>
+            <a:ext cx="8923865" cy="4504764"/>
+          </a:xfrm>
+        </p:spPr>
+        <p:txBody>
+          <a:bodyPr>
+            <a:normAutofit lnSpcReduction="10000"/>
+          </a:bodyPr>
+          <a:lstStyle/>
+          <a:p>
+            <a:pPr algn="just"/>
+            <a:r>
+              <a:rPr lang="en-US" sz="5000" dirty="0" smtClean="0"/>
+              <a:t>I feel is fun working on the project alone because it expose area of my strength and weakness and there </a:t>
+            </a:r>
+            <a:r>
+              <a:rPr lang="en-US" sz="5000" smtClean="0"/>
+              <a:t>is drastically </a:t>
+            </a:r>
+            <a:r>
+              <a:rPr lang="en-US" sz="5000" dirty="0" smtClean="0"/>
+              <a:t>improvement in </a:t>
+            </a:r>
+            <a:r>
+              <a:rPr lang="en-US" sz="5000" smtClean="0"/>
+              <a:t>my weakness.</a:t>
+            </a:r>
+            <a:endParaRPr lang="en-US" sz="5000" dirty="0" smtClean="0"/>
+          </a:p>
+          <a:p>
+            <a:pPr algn="just"/>
+            <a:endParaRPr lang="en-US" sz="2800" dirty="0"/>
+          </a:p>
+        </p:txBody>
+      </p:sp>
+    </p:spTree>
+    <p:extLst>
+      <p:ext uri="{BB962C8B-B14F-4D97-AF65-F5344CB8AC3E}">
+        <p14:creationId xmlns:p14="http://schemas.microsoft.com/office/powerpoint/2010/main" val="1646472412"/>
+      </p:ext>
+    </p:extLst>
+  </p:cSld>
+  <p:clrMapOvr>
+    <a:masterClrMapping/>
+  </p:clrMapOvr>
+</p:sld>
+</file>
+
 <file path=ppt/slides/slide2.xml><?xml version="1.0" encoding="utf-8"?>
 <p:sld xmlns:a="http://schemas.openxmlformats.org/drawingml/2006/main" xmlns:r="http://schemas.openxmlformats.org/officeDocument/2006/relationships" xmlns:p="http://schemas.openxmlformats.org/presentationml/2006/main">
   <p:cSld>
@@ -6049,7 +6157,7 @@
             <a:pPr algn="ctr"/>
             <a:r>
               <a:rPr lang="en-US" b="1" dirty="0" smtClean="0"/>
-              <a:t>REPORT</a:t>
+              <a:t>Technology</a:t>
             </a:r>
             <a:endParaRPr lang="en-US" b="1" dirty="0"/>
           </a:p>
@@ -6077,14 +6185,38 @@
           </a:bodyPr>
           <a:lstStyle/>
           <a:p>
-            <a:pPr algn="just"/>
-            <a:r>
-              <a:rPr lang="en-US" sz="5000" dirty="0" smtClean="0"/>
-              <a:t>The API can create, retrieve, update and delete users and classes in the database as the MVP set for the project. It can get students in each class.</a:t>
-            </a:r>
-          </a:p>
-          <a:p>
-            <a:pPr algn="just"/>
+            <a:pPr marL="457200" indent="-457200" algn="just">
+              <a:buFont typeface="Wingdings" panose="05000000000000000000" pitchFamily="2" charset="2"/>
+              <a:buChar char="Ø"/>
+            </a:pPr>
+            <a:r>
+              <a:rPr lang="en-US" sz="2800" dirty="0" smtClean="0"/>
+              <a:t>MySQL</a:t>
+            </a:r>
+          </a:p>
+          <a:p>
+            <a:pPr marL="457200" indent="-457200" algn="just">
+              <a:buFont typeface="Wingdings" panose="05000000000000000000" pitchFamily="2" charset="2"/>
+              <a:buChar char="Ø"/>
+            </a:pPr>
+            <a:r>
+              <a:rPr lang="en-US" sz="2800" dirty="0" smtClean="0"/>
+              <a:t>Python</a:t>
+            </a:r>
+          </a:p>
+          <a:p>
+            <a:pPr marL="457200" indent="-457200" algn="just">
+              <a:buFont typeface="Wingdings" panose="05000000000000000000" pitchFamily="2" charset="2"/>
+              <a:buChar char="Ø"/>
+            </a:pPr>
+            <a:r>
+              <a:rPr lang="en-US" sz="2800" dirty="0" err="1" smtClean="0"/>
+              <a:t>SQLAlchemy</a:t>
+            </a:r>
+            <a:r>
+              <a:rPr lang="en-US" sz="2800" dirty="0" smtClean="0"/>
+              <a:t> ORM</a:t>
+            </a:r>
             <a:endParaRPr lang="en-US" sz="2800" dirty="0"/>
           </a:p>
         </p:txBody>
@@ -6092,7 +6224,7 @@
     </p:spTree>
     <p:extLst>
       <p:ext uri="{BB962C8B-B14F-4D97-AF65-F5344CB8AC3E}">
-        <p14:creationId xmlns:p14="http://schemas.microsoft.com/office/powerpoint/2010/main" val="2340272728"/>
+        <p14:creationId xmlns:p14="http://schemas.microsoft.com/office/powerpoint/2010/main" val="4177595914"/>
       </p:ext>
     </p:extLst>
   </p:cSld>
@@ -6142,7 +6274,7 @@
             <a:pPr algn="ctr"/>
             <a:r>
               <a:rPr lang="en-US" b="1" dirty="0" smtClean="0"/>
-              <a:t>REPORT</a:t>
+              <a:t>Python package</a:t>
             </a:r>
             <a:endParaRPr lang="en-US" b="1" dirty="0"/>
           </a:p>
@@ -6166,22 +6298,99 @@
         </p:spPr>
         <p:txBody>
           <a:bodyPr>
-            <a:normAutofit fontScale="92500" lnSpcReduction="20000"/>
+            <a:normAutofit/>
           </a:bodyPr>
           <a:lstStyle/>
           <a:p>
             <a:pPr algn="just"/>
-            <a:r>
-              <a:rPr lang="en-US" sz="5000" dirty="0"/>
-              <a:t>The challenges are face in the project most time constraint to learn new things that come up during the </a:t>
-            </a:r>
-            <a:r>
-              <a:rPr lang="en-US" sz="5000" dirty="0" smtClean="0"/>
-              <a:t>project. The test are not running as expect with I can real give explanation as to the reason the test are not passing.</a:t>
-            </a:r>
-          </a:p>
-          <a:p>
-            <a:pPr algn="just"/>
+            <a:endParaRPr lang="en-US" sz="2800" dirty="0" smtClean="0"/>
+          </a:p>
+          <a:p>
+            <a:pPr marL="457200" indent="-457200" algn="just">
+              <a:buFont typeface="Wingdings" panose="05000000000000000000" pitchFamily="2" charset="2"/>
+              <a:buChar char="Ø"/>
+            </a:pPr>
+            <a:r>
+              <a:rPr lang="en-US" sz="2800" dirty="0" err="1" smtClean="0"/>
+              <a:t>S</a:t>
+            </a:r>
+            <a:r>
+              <a:rPr lang="en-US" sz="2800" dirty="0" err="1" smtClean="0"/>
+              <a:t>QLAlchemy</a:t>
+            </a:r>
+            <a:endParaRPr lang="en-US" sz="2800" dirty="0"/>
+          </a:p>
+          <a:p>
+            <a:pPr marL="457200" indent="-457200" algn="just">
+              <a:buFont typeface="Wingdings" panose="05000000000000000000" pitchFamily="2" charset="2"/>
+              <a:buChar char="Ø"/>
+            </a:pPr>
+            <a:r>
+              <a:rPr lang="en-US" sz="2800" dirty="0" smtClean="0"/>
+              <a:t>Faker</a:t>
+            </a:r>
+            <a:endParaRPr lang="en-US" sz="2800" dirty="0"/>
+          </a:p>
+          <a:p>
+            <a:pPr marL="457200" indent="-457200" algn="just">
+              <a:buFont typeface="Wingdings" panose="05000000000000000000" pitchFamily="2" charset="2"/>
+              <a:buChar char="Ø"/>
+            </a:pPr>
+            <a:r>
+              <a:rPr lang="en-US" sz="2800" dirty="0" smtClean="0"/>
+              <a:t>Flask</a:t>
+            </a:r>
+            <a:endParaRPr lang="en-US" sz="2800" dirty="0"/>
+          </a:p>
+          <a:p>
+            <a:pPr marL="457200" indent="-457200" algn="just">
+              <a:buFont typeface="Wingdings" panose="05000000000000000000" pitchFamily="2" charset="2"/>
+              <a:buChar char="Ø"/>
+            </a:pPr>
+            <a:r>
+              <a:rPr lang="en-US" sz="2800" dirty="0" smtClean="0"/>
+              <a:t>Flask-login</a:t>
+            </a:r>
+            <a:endParaRPr lang="en-US" sz="2800" dirty="0"/>
+          </a:p>
+          <a:p>
+            <a:pPr marL="457200" indent="-457200" algn="just">
+              <a:buFont typeface="Wingdings" panose="05000000000000000000" pitchFamily="2" charset="2"/>
+              <a:buChar char="Ø"/>
+            </a:pPr>
+            <a:r>
+              <a:rPr lang="en-US" sz="2800" dirty="0" smtClean="0"/>
+              <a:t>Flask-CORS</a:t>
+            </a:r>
+            <a:endParaRPr lang="en-US" sz="2800" dirty="0"/>
+          </a:p>
+          <a:p>
+            <a:pPr marL="457200" indent="-457200" algn="just">
+              <a:buFont typeface="Wingdings" panose="05000000000000000000" pitchFamily="2" charset="2"/>
+              <a:buChar char="Ø"/>
+            </a:pPr>
+            <a:r>
+              <a:rPr lang="en-US" sz="2800" dirty="0" err="1" smtClean="0"/>
+              <a:t>Flassger</a:t>
+            </a:r>
+            <a:endParaRPr lang="en-US" sz="2800" dirty="0"/>
+          </a:p>
+          <a:p>
+            <a:pPr marL="457200" indent="-457200" algn="just">
+              <a:buFont typeface="Wingdings" panose="05000000000000000000" pitchFamily="2" charset="2"/>
+              <a:buChar char="Ø"/>
+            </a:pPr>
+            <a:r>
+              <a:rPr lang="en-US" sz="2800" dirty="0" err="1" smtClean="0"/>
+              <a:t>Hashlib</a:t>
+            </a:r>
+            <a:endParaRPr lang="en-US" sz="2800" dirty="0"/>
+          </a:p>
+          <a:p>
+            <a:pPr marL="457200" indent="-457200" algn="just">
+              <a:buFont typeface="Wingdings" panose="05000000000000000000" pitchFamily="2" charset="2"/>
+              <a:buChar char="Ø"/>
+            </a:pPr>
             <a:endParaRPr lang="en-US" sz="2800" dirty="0"/>
           </a:p>
         </p:txBody>
@@ -6189,7 +6398,7 @@
     </p:spTree>
     <p:extLst>
       <p:ext uri="{BB962C8B-B14F-4D97-AF65-F5344CB8AC3E}">
-        <p14:creationId xmlns:p14="http://schemas.microsoft.com/office/powerpoint/2010/main" val="749169952"/>
+        <p14:creationId xmlns:p14="http://schemas.microsoft.com/office/powerpoint/2010/main" val="3981367347"/>
       </p:ext>
     </p:extLst>
   </p:cSld>
@@ -6263,22 +6472,14 @@
         </p:spPr>
         <p:txBody>
           <a:bodyPr>
-            <a:normAutofit lnSpcReduction="10000"/>
+            <a:normAutofit/>
           </a:bodyPr>
           <a:lstStyle/>
           <a:p>
             <a:pPr algn="just"/>
             <a:r>
               <a:rPr lang="en-US" sz="5000" dirty="0" smtClean="0"/>
-              <a:t>The project has improve my knowledge of backend and deeper knowledge of </a:t>
-            </a:r>
-            <a:r>
-              <a:rPr lang="en-US" sz="5000" dirty="0" err="1" smtClean="0"/>
-              <a:t>SQLAlchemy</a:t>
-            </a:r>
-            <a:r>
-              <a:rPr lang="en-US" sz="5000" dirty="0" smtClean="0"/>
-              <a:t> ORM, session Authentication and many more.</a:t>
+              <a:t>The API can create, retrieve, update and delete users and classes in the database as the MVP set for the project. It can get students in each class.</a:t>
             </a:r>
           </a:p>
           <a:p>
@@ -6290,7 +6491,7 @@
     </p:spTree>
     <p:extLst>
       <p:ext uri="{BB962C8B-B14F-4D97-AF65-F5344CB8AC3E}">
-        <p14:creationId xmlns:p14="http://schemas.microsoft.com/office/powerpoint/2010/main" val="763457965"/>
+        <p14:creationId xmlns:p14="http://schemas.microsoft.com/office/powerpoint/2010/main" val="2340272728"/>
       </p:ext>
     </p:extLst>
   </p:cSld>
@@ -6364,18 +6565,39 @@
         </p:spPr>
         <p:txBody>
           <a:bodyPr>
-            <a:normAutofit lnSpcReduction="10000"/>
+            <a:normAutofit/>
           </a:bodyPr>
           <a:lstStyle/>
           <a:p>
             <a:pPr algn="just"/>
             <a:r>
+              <a:rPr lang="en-US" sz="5000" dirty="0"/>
+              <a:t>The challenges </a:t>
+            </a:r>
+            <a:r>
               <a:rPr lang="en-US" sz="5000" dirty="0" smtClean="0"/>
-              <a:t>The next stage in the project is to research more and complete the project to be a full fledge system both frontend and backend features.</a:t>
-            </a:r>
-          </a:p>
-          <a:p>
-            <a:pPr algn="just"/>
+              <a:t>I</a:t>
+            </a:r>
+            <a:r>
+              <a:rPr lang="en-US" sz="5000" dirty="0" smtClean="0"/>
+              <a:t> </a:t>
+            </a:r>
+            <a:r>
+              <a:rPr lang="en-US" sz="5000" dirty="0"/>
+              <a:t>face in the project most </a:t>
+            </a:r>
+            <a:r>
+              <a:rPr lang="en-US" sz="5000" dirty="0" smtClean="0"/>
+              <a:t>time is </a:t>
+            </a:r>
+            <a:r>
+              <a:rPr lang="en-US" sz="5000" dirty="0"/>
+              <a:t>constraint to learn new things that come up during the </a:t>
+            </a:r>
+            <a:r>
+              <a:rPr lang="en-US" sz="5000" dirty="0" smtClean="0"/>
+              <a:t>project. </a:t>
+            </a:r>
             <a:endParaRPr lang="en-US" sz="2800" dirty="0"/>
           </a:p>
         </p:txBody>
@@ -6383,7 +6605,7 @@
     </p:spTree>
     <p:extLst>
       <p:ext uri="{BB962C8B-B14F-4D97-AF65-F5344CB8AC3E}">
-        <p14:creationId xmlns:p14="http://schemas.microsoft.com/office/powerpoint/2010/main" val="3899251647"/>
+        <p14:creationId xmlns:p14="http://schemas.microsoft.com/office/powerpoint/2010/main" val="749169952"/>
       </p:ext>
     </p:extLst>
   </p:cSld>
@@ -6433,7 +6655,7 @@
             <a:pPr algn="ctr"/>
             <a:r>
               <a:rPr lang="en-US" b="1" dirty="0" smtClean="0"/>
-              <a:t>CONCLUSION</a:t>
+              <a:t>REPORT</a:t>
             </a:r>
             <a:endParaRPr lang="en-US" b="1" dirty="0"/>
           </a:p>
@@ -6464,21 +6686,16 @@
             <a:pPr algn="just"/>
             <a:r>
               <a:rPr lang="en-US" sz="5000" dirty="0" smtClean="0"/>
-              <a:t>I feel is fun working on the project alone because it expose area of my strength and weakness and there </a:t>
-            </a:r>
-            <a:r>
-              <a:rPr lang="en-US" sz="5000" smtClean="0"/>
-              <a:t>is drastically </a:t>
+              <a:t>The project has improve my knowledge of backend and deeper knowledge of </a:t>
+            </a:r>
+            <a:r>
+              <a:rPr lang="en-US" sz="5000" dirty="0" err="1" smtClean="0"/>
+              <a:t>SQLAlchemy</a:t>
             </a:r>
             <a:r>
               <a:rPr lang="en-US" sz="5000" dirty="0" smtClean="0"/>
-              <a:t>improvement in </a:t>
-            </a:r>
-            <a:r>
-              <a:rPr lang="en-US" sz="5000" smtClean="0"/>
-              <a:t>my weakness.</a:t>
-            </a:r>
-            <a:endParaRPr lang="en-US" sz="5000" dirty="0" smtClean="0"/>
+              <a:t> ORM, session Authentication and many more.</a:t>
+            </a:r>
           </a:p>
           <a:p>
             <a:pPr algn="just"/>
@@ -6489,7 +6706,100 @@
     </p:spTree>
     <p:extLst>
       <p:ext uri="{BB962C8B-B14F-4D97-AF65-F5344CB8AC3E}">
-        <p14:creationId xmlns:p14="http://schemas.microsoft.com/office/powerpoint/2010/main" val="1646472412"/>
+        <p14:creationId xmlns:p14="http://schemas.microsoft.com/office/powerpoint/2010/main" val="763457965"/>
+      </p:ext>
+    </p:extLst>
+  </p:cSld>
+  <p:clrMapOvr>
+    <a:masterClrMapping/>
+  </p:clrMapOvr>
+</p:sld>
+</file>
+
+<file path=ppt/slides/slide9.xml><?xml version="1.0" encoding="utf-8"?>
+<p:sld xmlns:a="http://schemas.openxmlformats.org/drawingml/2006/main" xmlns:r="http://schemas.openxmlformats.org/officeDocument/2006/relationships" xmlns:p="http://schemas.openxmlformats.org/presentationml/2006/main">
+  <p:cSld>
+    <p:spTree>
+      <p:nvGrpSpPr>
+        <p:cNvPr id="1" name=""/>
+        <p:cNvGrpSpPr/>
+        <p:nvPr/>
+      </p:nvGrpSpPr>
+      <p:grpSpPr>
+        <a:xfrm>
+          <a:off x="0" y="0"/>
+          <a:ext cx="0" cy="0"/>
+          <a:chOff x="0" y="0"/>
+          <a:chExt cx="0" cy="0"/>
+        </a:xfrm>
+      </p:grpSpPr>
+      <p:sp>
+        <p:nvSpPr>
+          <p:cNvPr id="2" name="Title 1"/>
+          <p:cNvSpPr>
+            <a:spLocks noGrp="1"/>
+          </p:cNvSpPr>
+          <p:nvPr>
+            <p:ph type="title"/>
+          </p:nvPr>
+        </p:nvSpPr>
+        <p:spPr>
+          <a:xfrm>
+            <a:off x="677335" y="609600"/>
+            <a:ext cx="8596668" cy="1257837"/>
+          </a:xfrm>
+        </p:spPr>
+        <p:txBody>
+          <a:bodyPr/>
+          <a:lstStyle/>
+          <a:p>
+            <a:pPr algn="ctr"/>
+            <a:r>
+              <a:rPr lang="en-US" b="1" dirty="0" smtClean="0"/>
+              <a:t>REPORT</a:t>
+            </a:r>
+            <a:endParaRPr lang="en-US" b="1" dirty="0"/>
+          </a:p>
+        </p:txBody>
+      </p:sp>
+      <p:sp>
+        <p:nvSpPr>
+          <p:cNvPr id="3" name="Text Placeholder 2"/>
+          <p:cNvSpPr>
+            <a:spLocks noGrp="1"/>
+          </p:cNvSpPr>
+          <p:nvPr>
+            <p:ph type="body" idx="1"/>
+          </p:nvPr>
+        </p:nvSpPr>
+        <p:spPr>
+          <a:xfrm>
+            <a:off x="784911" y="2245659"/>
+            <a:ext cx="8923865" cy="4504764"/>
+          </a:xfrm>
+        </p:spPr>
+        <p:txBody>
+          <a:bodyPr>
+            <a:normAutofit lnSpcReduction="10000"/>
+          </a:bodyPr>
+          <a:lstStyle/>
+          <a:p>
+            <a:pPr algn="just"/>
+            <a:r>
+              <a:rPr lang="en-US" sz="5000" dirty="0" smtClean="0"/>
+              <a:t>The next stage in the project is to research more and complete the project to be a full fledge system both frontend and backend features.</a:t>
+            </a:r>
+          </a:p>
+          <a:p>
+            <a:pPr algn="just"/>
+            <a:endParaRPr lang="en-US" sz="2800" dirty="0"/>
+          </a:p>
+        </p:txBody>
+      </p:sp>
+    </p:spTree>
+    <p:extLst>
+      <p:ext uri="{BB962C8B-B14F-4D97-AF65-F5344CB8AC3E}">
+        <p14:creationId xmlns:p14="http://schemas.microsoft.com/office/powerpoint/2010/main" val="3899251647"/>
       </p:ext>
     </p:extLst>
   </p:cSld>
